--- a/prezentacja.pptx
+++ b/prezentacja.pptx
@@ -22,6 +22,8 @@
     <p:sldId id="270" r:id="rId16"/>
     <p:sldId id="271" r:id="rId17"/>
     <p:sldId id="272" r:id="rId18"/>
+    <p:sldId id="273" r:id="rId19"/>
+    <p:sldId id="274" r:id="rId20"/>
   </p:sldIdLst>
   <p:sldSz cx="12192000" cy="6858000"/>
   <p:notesSz cx="6858000" cy="9144000"/>
@@ -275,7 +277,7 @@
           <a:p>
             <a:fld id="{BDBF8FD0-5706-4950-9C16-74B031BD9DFB}" type="datetimeFigureOut">
               <a:rPr lang="pl-PL" smtClean="0"/>
-              <a:t>02.01.2023</a:t>
+              <a:t>03.01.2023</a:t>
             </a:fld>
             <a:endParaRPr lang="pl-PL"/>
           </a:p>
@@ -473,7 +475,7 @@
           <a:p>
             <a:fld id="{BDBF8FD0-5706-4950-9C16-74B031BD9DFB}" type="datetimeFigureOut">
               <a:rPr lang="pl-PL" smtClean="0"/>
-              <a:t>02.01.2023</a:t>
+              <a:t>03.01.2023</a:t>
             </a:fld>
             <a:endParaRPr lang="pl-PL"/>
           </a:p>
@@ -681,7 +683,7 @@
           <a:p>
             <a:fld id="{BDBF8FD0-5706-4950-9C16-74B031BD9DFB}" type="datetimeFigureOut">
               <a:rPr lang="pl-PL" smtClean="0"/>
-              <a:t>02.01.2023</a:t>
+              <a:t>03.01.2023</a:t>
             </a:fld>
             <a:endParaRPr lang="pl-PL"/>
           </a:p>
@@ -879,7 +881,7 @@
           <a:p>
             <a:fld id="{BDBF8FD0-5706-4950-9C16-74B031BD9DFB}" type="datetimeFigureOut">
               <a:rPr lang="pl-PL" smtClean="0"/>
-              <a:t>02.01.2023</a:t>
+              <a:t>03.01.2023</a:t>
             </a:fld>
             <a:endParaRPr lang="pl-PL"/>
           </a:p>
@@ -1154,7 +1156,7 @@
           <a:p>
             <a:fld id="{BDBF8FD0-5706-4950-9C16-74B031BD9DFB}" type="datetimeFigureOut">
               <a:rPr lang="pl-PL" smtClean="0"/>
-              <a:t>02.01.2023</a:t>
+              <a:t>03.01.2023</a:t>
             </a:fld>
             <a:endParaRPr lang="pl-PL"/>
           </a:p>
@@ -1419,7 +1421,7 @@
           <a:p>
             <a:fld id="{BDBF8FD0-5706-4950-9C16-74B031BD9DFB}" type="datetimeFigureOut">
               <a:rPr lang="pl-PL" smtClean="0"/>
-              <a:t>02.01.2023</a:t>
+              <a:t>03.01.2023</a:t>
             </a:fld>
             <a:endParaRPr lang="pl-PL"/>
           </a:p>
@@ -1831,7 +1833,7 @@
           <a:p>
             <a:fld id="{BDBF8FD0-5706-4950-9C16-74B031BD9DFB}" type="datetimeFigureOut">
               <a:rPr lang="pl-PL" smtClean="0"/>
-              <a:t>02.01.2023</a:t>
+              <a:t>03.01.2023</a:t>
             </a:fld>
             <a:endParaRPr lang="pl-PL"/>
           </a:p>
@@ -1972,7 +1974,7 @@
           <a:p>
             <a:fld id="{BDBF8FD0-5706-4950-9C16-74B031BD9DFB}" type="datetimeFigureOut">
               <a:rPr lang="pl-PL" smtClean="0"/>
-              <a:t>02.01.2023</a:t>
+              <a:t>03.01.2023</a:t>
             </a:fld>
             <a:endParaRPr lang="pl-PL"/>
           </a:p>
@@ -2085,7 +2087,7 @@
           <a:p>
             <a:fld id="{BDBF8FD0-5706-4950-9C16-74B031BD9DFB}" type="datetimeFigureOut">
               <a:rPr lang="pl-PL" smtClean="0"/>
-              <a:t>02.01.2023</a:t>
+              <a:t>03.01.2023</a:t>
             </a:fld>
             <a:endParaRPr lang="pl-PL"/>
           </a:p>
@@ -2396,7 +2398,7 @@
           <a:p>
             <a:fld id="{BDBF8FD0-5706-4950-9C16-74B031BD9DFB}" type="datetimeFigureOut">
               <a:rPr lang="pl-PL" smtClean="0"/>
-              <a:t>02.01.2023</a:t>
+              <a:t>03.01.2023</a:t>
             </a:fld>
             <a:endParaRPr lang="pl-PL"/>
           </a:p>
@@ -2684,7 +2686,7 @@
           <a:p>
             <a:fld id="{BDBF8FD0-5706-4950-9C16-74B031BD9DFB}" type="datetimeFigureOut">
               <a:rPr lang="pl-PL" smtClean="0"/>
-              <a:t>02.01.2023</a:t>
+              <a:t>03.01.2023</a:t>
             </a:fld>
             <a:endParaRPr lang="pl-PL"/>
           </a:p>
@@ -2925,7 +2927,7 @@
           <a:p>
             <a:fld id="{BDBF8FD0-5706-4950-9C16-74B031BD9DFB}" type="datetimeFigureOut">
               <a:rPr lang="pl-PL" smtClean="0"/>
-              <a:t>02.01.2023</a:t>
+              <a:t>03.01.2023</a:t>
             </a:fld>
             <a:endParaRPr lang="pl-PL"/>
           </a:p>
@@ -3592,8 +3594,8 @@
           </a:p>
         </p:txBody>
       </p:sp>
-      <mc:AlternateContent xmlns:mc="http://schemas.openxmlformats.org/markup-compatibility/2006">
-        <mc:Choice xmlns:a14="http://schemas.microsoft.com/office/drawing/2010/main" Requires="a14">
+      <mc:AlternateContent xmlns:mc="http://schemas.openxmlformats.org/markup-compatibility/2006" xmlns:a14="http://schemas.microsoft.com/office/drawing/2010/main">
+        <mc:Choice Requires="a14">
           <p:sp>
             <p:nvSpPr>
               <p:cNvPr id="3" name="Symbol zastępczy zawartości 2">
@@ -3663,7 +3665,7 @@
             </p:txBody>
           </p:sp>
         </mc:Choice>
-        <mc:Fallback>
+        <mc:Fallback xmlns="">
           <p:sp>
             <p:nvSpPr>
               <p:cNvPr id="3" name="Symbol zastępczy zawartości 2">
@@ -3769,8 +3771,8 @@
           </a:p>
         </p:txBody>
       </p:sp>
-      <mc:AlternateContent xmlns:mc="http://schemas.openxmlformats.org/markup-compatibility/2006">
-        <mc:Choice xmlns:a14="http://schemas.microsoft.com/office/drawing/2010/main" Requires="a14">
+      <mc:AlternateContent xmlns:mc="http://schemas.openxmlformats.org/markup-compatibility/2006" xmlns:a14="http://schemas.microsoft.com/office/drawing/2010/main">
+        <mc:Choice Requires="a14">
           <p:sp>
             <p:nvSpPr>
               <p:cNvPr id="3" name="Symbol zastępczy zawartości 2">
@@ -3845,7 +3847,7 @@
             </p:txBody>
           </p:sp>
         </mc:Choice>
-        <mc:Fallback>
+        <mc:Fallback xmlns="">
           <p:sp>
             <p:nvSpPr>
               <p:cNvPr id="3" name="Symbol zastępczy zawartości 2">
@@ -4766,39 +4768,554 @@
           <a:bodyPr/>
           <a:lstStyle/>
           <a:p>
-            <a:endParaRPr lang="pl-PL"/>
-          </a:p>
-        </p:txBody>
-      </p:sp>
-      <p:sp>
-        <p:nvSpPr>
-          <p:cNvPr id="3" name="Symbol zastępczy zawartości 2">
-            <a:extLst>
-              <a:ext uri="{FF2B5EF4-FFF2-40B4-BE49-F238E27FC236}">
-                <a16:creationId xmlns:a16="http://schemas.microsoft.com/office/drawing/2014/main" id="{30580A24-7631-0120-5FB3-66D50B8B3289}"/>
-              </a:ext>
-            </a:extLst>
-          </p:cNvPr>
-          <p:cNvSpPr>
-            <a:spLocks noGrp="1"/>
-          </p:cNvSpPr>
+            <a:r>
+              <a:rPr lang="pl-PL" dirty="0"/>
+              <a:t>Analiza czasu wyszukiwania dla siatki średniej wielkości i dużej ilości wyszukiwani  </a:t>
+            </a:r>
+          </a:p>
+        </p:txBody>
+      </p:sp>
+      <p:pic>
+        <p:nvPicPr>
+          <p:cNvPr id="5" name="Symbol zastępczy zawartości 4">
+            <a:extLst>
+              <a:ext uri="{FF2B5EF4-FFF2-40B4-BE49-F238E27FC236}">
+                <a16:creationId xmlns:a16="http://schemas.microsoft.com/office/drawing/2014/main" id="{4818BD81-0B87-F824-7571-6F6950175377}"/>
+              </a:ext>
+            </a:extLst>
+          </p:cNvPr>
+          <p:cNvPicPr>
+            <a:picLocks noGrp="1" noChangeAspect="1"/>
+          </p:cNvPicPr>
           <p:nvPr>
             <p:ph idx="1"/>
           </p:nvPr>
-        </p:nvSpPr>
-        <p:spPr/>
-        <p:txBody>
-          <a:bodyPr/>
-          <a:lstStyle/>
-          <a:p>
-            <a:endParaRPr lang="pl-PL"/>
-          </a:p>
-        </p:txBody>
-      </p:sp>
+        </p:nvPicPr>
+        <p:blipFill>
+          <a:blip r:embed="rId2"/>
+          <a:stretch>
+            <a:fillRect/>
+          </a:stretch>
+        </p:blipFill>
+        <p:spPr>
+          <a:xfrm>
+            <a:off x="1171379" y="3822589"/>
+            <a:ext cx="2886272" cy="1894554"/>
+          </a:xfrm>
+        </p:spPr>
+      </p:pic>
+      <p:pic>
+        <p:nvPicPr>
+          <p:cNvPr id="7" name="Obraz 6">
+            <a:extLst>
+              <a:ext uri="{FF2B5EF4-FFF2-40B4-BE49-F238E27FC236}">
+                <a16:creationId xmlns:a16="http://schemas.microsoft.com/office/drawing/2014/main" id="{30F0B6BC-634C-EFD2-70BA-16FC35B03230}"/>
+              </a:ext>
+            </a:extLst>
+          </p:cNvPr>
+          <p:cNvPicPr>
+            <a:picLocks noChangeAspect="1"/>
+          </p:cNvPicPr>
+          <p:nvPr/>
+        </p:nvPicPr>
+        <p:blipFill>
+          <a:blip r:embed="rId3"/>
+          <a:stretch>
+            <a:fillRect/>
+          </a:stretch>
+        </p:blipFill>
+        <p:spPr>
+          <a:xfrm>
+            <a:off x="1171378" y="1712611"/>
+            <a:ext cx="2886272" cy="1686909"/>
+          </a:xfrm>
+          <a:prstGeom prst="rect">
+            <a:avLst/>
+          </a:prstGeom>
+        </p:spPr>
+      </p:pic>
+      <p:pic>
+        <p:nvPicPr>
+          <p:cNvPr id="9" name="Obraz 8">
+            <a:extLst>
+              <a:ext uri="{FF2B5EF4-FFF2-40B4-BE49-F238E27FC236}">
+                <a16:creationId xmlns:a16="http://schemas.microsoft.com/office/drawing/2014/main" id="{31845A3A-0E11-30C8-6F61-5D017FA4BB00}"/>
+              </a:ext>
+            </a:extLst>
+          </p:cNvPr>
+          <p:cNvPicPr>
+            <a:picLocks noChangeAspect="1"/>
+          </p:cNvPicPr>
+          <p:nvPr/>
+        </p:nvPicPr>
+        <p:blipFill>
+          <a:blip r:embed="rId4"/>
+          <a:stretch>
+            <a:fillRect/>
+          </a:stretch>
+        </p:blipFill>
+        <p:spPr>
+          <a:xfrm>
+            <a:off x="4852716" y="1690688"/>
+            <a:ext cx="4169495" cy="2500312"/>
+          </a:xfrm>
+          <a:prstGeom prst="rect">
+            <a:avLst/>
+          </a:prstGeom>
+        </p:spPr>
+      </p:pic>
+      <mc:AlternateContent xmlns:mc="http://schemas.openxmlformats.org/markup-compatibility/2006">
+        <mc:Choice xmlns:a14="http://schemas.microsoft.com/office/drawing/2010/main" Requires="a14">
+          <p:sp>
+            <p:nvSpPr>
+              <p:cNvPr id="10" name="pole tekstowe 9">
+                <a:extLst>
+                  <a:ext uri="{FF2B5EF4-FFF2-40B4-BE49-F238E27FC236}">
+                    <a16:creationId xmlns:a16="http://schemas.microsoft.com/office/drawing/2014/main" id="{5B4E2E22-264B-8B99-9F74-8C474DA35374}"/>
+                  </a:ext>
+                </a:extLst>
+              </p:cNvPr>
+              <p:cNvSpPr txBox="1"/>
+              <p:nvPr/>
+            </p:nvSpPr>
+            <p:spPr>
+              <a:xfrm>
+                <a:off x="4852716" y="4429125"/>
+                <a:ext cx="7005909" cy="923330"/>
+              </a:xfrm>
+              <a:prstGeom prst="rect">
+                <a:avLst/>
+              </a:prstGeom>
+              <a:noFill/>
+            </p:spPr>
+            <p:txBody>
+              <a:bodyPr wrap="square" rtlCol="0">
+                <a:spAutoFit/>
+              </a:bodyPr>
+              <a:lstStyle/>
+              <a:p>
+                <a:r>
+                  <a:rPr lang="pl-PL" dirty="0"/>
+                  <a:t>Czas wyszukiwania nie zależy od liczby </a:t>
+                </a:r>
+                <a:r>
+                  <a:rPr lang="pl-PL" dirty="0" err="1"/>
+                  <a:t>wyszukiwań</a:t>
+                </a:r>
+                <a:r>
+                  <a:rPr lang="pl-PL" dirty="0"/>
+                  <a:t>. Co potwierdza teorie</a:t>
+                </a:r>
+              </a:p>
+              <a:p>
+                <a:r>
+                  <a:rPr lang="pl-PL" dirty="0"/>
+                  <a:t>, że czas pojedynczego wyszukiwania ma złożoność </a:t>
+                </a:r>
+                <a14:m>
+                  <m:oMath xmlns:m="http://schemas.openxmlformats.org/officeDocument/2006/math">
+                    <m:r>
+                      <a:rPr lang="pl-PL" b="0" i="1" smtClean="0">
+                        <a:latin typeface="Cambria Math" panose="02040503050406030204" pitchFamily="18" charset="0"/>
+                      </a:rPr>
+                      <m:t>𝑂</m:t>
+                    </m:r>
+                    <m:d>
+                      <m:dPr>
+                        <m:ctrlPr>
+                          <a:rPr lang="pl-PL" b="0" i="1" smtClean="0">
+                            <a:latin typeface="Cambria Math" panose="02040503050406030204" pitchFamily="18" charset="0"/>
+                          </a:rPr>
+                        </m:ctrlPr>
+                      </m:dPr>
+                      <m:e>
+                        <m:r>
+                          <a:rPr lang="pl-PL" b="0" i="1" smtClean="0">
+                            <a:latin typeface="Cambria Math" panose="02040503050406030204" pitchFamily="18" charset="0"/>
+                          </a:rPr>
+                          <m:t>𝑙𝑜𝑔𝑛</m:t>
+                        </m:r>
+                      </m:e>
+                    </m:d>
+                    <m:r>
+                      <a:rPr lang="pl-PL" b="0" i="1" smtClean="0">
+                        <a:latin typeface="Cambria Math" panose="02040503050406030204" pitchFamily="18" charset="0"/>
+                      </a:rPr>
+                      <m:t>,</m:t>
+                    </m:r>
+                  </m:oMath>
+                </a14:m>
+                <a:r>
+                  <a:rPr lang="pl-PL" dirty="0"/>
+                  <a:t> gdzie n to wielkość siatki </a:t>
+                </a:r>
+              </a:p>
+            </p:txBody>
+          </p:sp>
+        </mc:Choice>
+        <mc:Fallback>
+          <p:sp>
+            <p:nvSpPr>
+              <p:cNvPr id="10" name="pole tekstowe 9">
+                <a:extLst>
+                  <a:ext uri="{FF2B5EF4-FFF2-40B4-BE49-F238E27FC236}">
+                    <a16:creationId xmlns:a16="http://schemas.microsoft.com/office/drawing/2014/main" id="{5B4E2E22-264B-8B99-9F74-8C474DA35374}"/>
+                  </a:ext>
+                </a:extLst>
+              </p:cNvPr>
+              <p:cNvSpPr txBox="1">
+                <a:spLocks noRot="1" noChangeAspect="1" noMove="1" noResize="1" noEditPoints="1" noAdjustHandles="1" noChangeArrowheads="1" noChangeShapeType="1" noTextEdit="1"/>
+              </p:cNvSpPr>
+              <p:nvPr/>
+            </p:nvSpPr>
+            <p:spPr>
+              <a:xfrm>
+                <a:off x="4852716" y="4429125"/>
+                <a:ext cx="7005909" cy="923330"/>
+              </a:xfrm>
+              <a:prstGeom prst="rect">
+                <a:avLst/>
+              </a:prstGeom>
+              <a:blipFill>
+                <a:blip r:embed="rId5"/>
+                <a:stretch>
+                  <a:fillRect l="-696" t="-3974" b="-9934"/>
+                </a:stretch>
+              </a:blipFill>
+            </p:spPr>
+            <p:txBody>
+              <a:bodyPr/>
+              <a:lstStyle/>
+              <a:p>
+                <a:r>
+                  <a:rPr lang="pl-PL">
+                    <a:noFill/>
+                  </a:rPr>
+                  <a:t> </a:t>
+                </a:r>
+              </a:p>
+            </p:txBody>
+          </p:sp>
+        </mc:Fallback>
+      </mc:AlternateContent>
     </p:spTree>
     <p:extLst>
       <p:ext uri="{BB962C8B-B14F-4D97-AF65-F5344CB8AC3E}">
         <p14:creationId xmlns:p14="http://schemas.microsoft.com/office/powerpoint/2010/main" val="151236076"/>
+      </p:ext>
+    </p:extLst>
+  </p:cSld>
+  <p:clrMapOvr>
+    <a:masterClrMapping/>
+  </p:clrMapOvr>
+</p:sld>
+</file>
+
+<file path=ppt/slides/slide18.xml><?xml version="1.0" encoding="utf-8"?>
+<p:sld xmlns:a="http://schemas.openxmlformats.org/drawingml/2006/main" xmlns:r="http://schemas.openxmlformats.org/officeDocument/2006/relationships" xmlns:p="http://schemas.openxmlformats.org/presentationml/2006/main">
+  <p:cSld>
+    <p:spTree>
+      <p:nvGrpSpPr>
+        <p:cNvPr id="1" name=""/>
+        <p:cNvGrpSpPr/>
+        <p:nvPr/>
+      </p:nvGrpSpPr>
+      <p:grpSpPr>
+        <a:xfrm>
+          <a:off x="0" y="0"/>
+          <a:ext cx="0" cy="0"/>
+          <a:chOff x="0" y="0"/>
+          <a:chExt cx="0" cy="0"/>
+        </a:xfrm>
+      </p:grpSpPr>
+      <mc:AlternateContent xmlns:mc="http://schemas.openxmlformats.org/markup-compatibility/2006">
+        <mc:Choice xmlns:a14="http://schemas.microsoft.com/office/drawing/2010/main" Requires="a14">
+          <p:sp>
+            <p:nvSpPr>
+              <p:cNvPr id="2" name="Tytuł 1">
+                <a:extLst>
+                  <a:ext uri="{FF2B5EF4-FFF2-40B4-BE49-F238E27FC236}">
+                    <a16:creationId xmlns:a16="http://schemas.microsoft.com/office/drawing/2014/main" id="{E788EBCE-7E37-5EE3-701D-1A4C6833EFC0}"/>
+                  </a:ext>
+                </a:extLst>
+              </p:cNvPr>
+              <p:cNvSpPr>
+                <a:spLocks noGrp="1"/>
+              </p:cNvSpPr>
+              <p:nvPr>
+                <p:ph type="title"/>
+              </p:nvPr>
+            </p:nvSpPr>
+            <p:spPr/>
+            <p:txBody>
+              <a:bodyPr>
+                <a:normAutofit fontScale="90000"/>
+              </a:bodyPr>
+              <a:lstStyle/>
+              <a:p>
+                <a:r>
+                  <a:rPr lang="pl-PL" b="1" dirty="0"/>
+                  <a:t>Analiza czasu wykonania dla siatek generowanych metodą losową, ale o innych wielkościach dla </a:t>
+                </a:r>
+                <a14:m>
+                  <m:oMath xmlns:m="http://schemas.openxmlformats.org/officeDocument/2006/math">
+                    <m:sSup>
+                      <m:sSupPr>
+                        <m:ctrlPr>
+                          <a:rPr lang="pl-PL" b="1" i="1" smtClean="0">
+                            <a:latin typeface="Cambria Math" panose="02040503050406030204" pitchFamily="18" charset="0"/>
+                          </a:rPr>
+                        </m:ctrlPr>
+                      </m:sSupPr>
+                      <m:e>
+                        <m:r>
+                          <a:rPr lang="pl-PL" b="1" i="1" smtClean="0">
+                            <a:latin typeface="Cambria Math" panose="02040503050406030204" pitchFamily="18" charset="0"/>
+                          </a:rPr>
+                          <m:t>𝟏𝟎</m:t>
+                        </m:r>
+                      </m:e>
+                      <m:sup>
+                        <m:r>
+                          <a:rPr lang="pl-PL" b="1" i="1" smtClean="0">
+                            <a:latin typeface="Cambria Math" panose="02040503050406030204" pitchFamily="18" charset="0"/>
+                          </a:rPr>
+                          <m:t>𝟓</m:t>
+                        </m:r>
+                      </m:sup>
+                    </m:sSup>
+                    <m:r>
+                      <a:rPr lang="pl-PL" b="1" i="1" smtClean="0">
+                        <a:latin typeface="Cambria Math" panose="02040503050406030204" pitchFamily="18" charset="0"/>
+                      </a:rPr>
+                      <m:t> </m:t>
+                    </m:r>
+                  </m:oMath>
+                </a14:m>
+                <a:r>
+                  <a:rPr lang="pl-PL" b="1" dirty="0"/>
+                  <a:t>wyszukiwań</a:t>
+                </a:r>
+              </a:p>
+            </p:txBody>
+          </p:sp>
+        </mc:Choice>
+        <mc:Fallback>
+          <p:sp>
+            <p:nvSpPr>
+              <p:cNvPr id="2" name="Tytuł 1">
+                <a:extLst>
+                  <a:ext uri="{FF2B5EF4-FFF2-40B4-BE49-F238E27FC236}">
+                    <a16:creationId xmlns:a16="http://schemas.microsoft.com/office/drawing/2014/main" id="{E788EBCE-7E37-5EE3-701D-1A4C6833EFC0}"/>
+                  </a:ext>
+                </a:extLst>
+              </p:cNvPr>
+              <p:cNvSpPr>
+                <a:spLocks noGrp="1" noRot="1" noChangeAspect="1" noMove="1" noResize="1" noEditPoints="1" noAdjustHandles="1" noChangeArrowheads="1" noChangeShapeType="1" noTextEdit="1"/>
+              </p:cNvSpPr>
+              <p:nvPr>
+                <p:ph type="title"/>
+              </p:nvPr>
+            </p:nvSpPr>
+            <p:spPr>
+              <a:blipFill>
+                <a:blip r:embed="rId2"/>
+                <a:stretch>
+                  <a:fillRect l="-2087" t="-29493" b="-36406"/>
+                </a:stretch>
+              </a:blipFill>
+            </p:spPr>
+            <p:txBody>
+              <a:bodyPr/>
+              <a:lstStyle/>
+              <a:p>
+                <a:r>
+                  <a:rPr lang="pl-PL">
+                    <a:noFill/>
+                  </a:rPr>
+                  <a:t> </a:t>
+                </a:r>
+              </a:p>
+            </p:txBody>
+          </p:sp>
+        </mc:Fallback>
+      </mc:AlternateContent>
+      <p:pic>
+        <p:nvPicPr>
+          <p:cNvPr id="5" name="Symbol zastępczy zawartości 4">
+            <a:extLst>
+              <a:ext uri="{FF2B5EF4-FFF2-40B4-BE49-F238E27FC236}">
+                <a16:creationId xmlns:a16="http://schemas.microsoft.com/office/drawing/2014/main" id="{208DE648-0621-F168-1CE5-AB7D6CCC3A9F}"/>
+              </a:ext>
+            </a:extLst>
+          </p:cNvPr>
+          <p:cNvPicPr>
+            <a:picLocks noGrp="1" noChangeAspect="1"/>
+          </p:cNvPicPr>
+          <p:nvPr>
+            <p:ph idx="1"/>
+          </p:nvPr>
+        </p:nvPicPr>
+        <p:blipFill>
+          <a:blip r:embed="rId3"/>
+          <a:stretch>
+            <a:fillRect/>
+          </a:stretch>
+        </p:blipFill>
+        <p:spPr>
+          <a:xfrm>
+            <a:off x="457200" y="3317950"/>
+            <a:ext cx="5410200" cy="1250799"/>
+          </a:xfrm>
+        </p:spPr>
+      </p:pic>
+      <p:pic>
+        <p:nvPicPr>
+          <p:cNvPr id="7" name="Obraz 6">
+            <a:extLst>
+              <a:ext uri="{FF2B5EF4-FFF2-40B4-BE49-F238E27FC236}">
+                <a16:creationId xmlns:a16="http://schemas.microsoft.com/office/drawing/2014/main" id="{F7DDC05F-EAB4-FC85-2C33-6B775BC02B48}"/>
+              </a:ext>
+            </a:extLst>
+          </p:cNvPr>
+          <p:cNvPicPr>
+            <a:picLocks noChangeAspect="1"/>
+          </p:cNvPicPr>
+          <p:nvPr/>
+        </p:nvPicPr>
+        <p:blipFill>
+          <a:blip r:embed="rId4"/>
+          <a:stretch>
+            <a:fillRect/>
+          </a:stretch>
+        </p:blipFill>
+        <p:spPr>
+          <a:xfrm>
+            <a:off x="6668317" y="1167899"/>
+            <a:ext cx="4623197" cy="2775451"/>
+          </a:xfrm>
+          <a:prstGeom prst="rect">
+            <a:avLst/>
+          </a:prstGeom>
+        </p:spPr>
+      </p:pic>
+      <p:pic>
+        <p:nvPicPr>
+          <p:cNvPr id="9" name="Obraz 8">
+            <a:extLst>
+              <a:ext uri="{FF2B5EF4-FFF2-40B4-BE49-F238E27FC236}">
+                <a16:creationId xmlns:a16="http://schemas.microsoft.com/office/drawing/2014/main" id="{9080B621-EB39-9FC8-5BD3-0AF66510697B}"/>
+              </a:ext>
+            </a:extLst>
+          </p:cNvPr>
+          <p:cNvPicPr>
+            <a:picLocks noChangeAspect="1"/>
+          </p:cNvPicPr>
+          <p:nvPr/>
+        </p:nvPicPr>
+        <p:blipFill>
+          <a:blip r:embed="rId5"/>
+          <a:stretch>
+            <a:fillRect/>
+          </a:stretch>
+        </p:blipFill>
+        <p:spPr>
+          <a:xfrm>
+            <a:off x="6627216" y="3965208"/>
+            <a:ext cx="4664299" cy="2775451"/>
+          </a:xfrm>
+          <a:prstGeom prst="rect">
+            <a:avLst/>
+          </a:prstGeom>
+        </p:spPr>
+      </p:pic>
+    </p:spTree>
+    <p:extLst>
+      <p:ext uri="{BB962C8B-B14F-4D97-AF65-F5344CB8AC3E}">
+        <p14:creationId xmlns:p14="http://schemas.microsoft.com/office/powerpoint/2010/main" val="3610442176"/>
+      </p:ext>
+    </p:extLst>
+  </p:cSld>
+  <p:clrMapOvr>
+    <a:masterClrMapping/>
+  </p:clrMapOvr>
+</p:sld>
+</file>
+
+<file path=ppt/slides/slide19.xml><?xml version="1.0" encoding="utf-8"?>
+<p:sld xmlns:a="http://schemas.openxmlformats.org/drawingml/2006/main" xmlns:r="http://schemas.openxmlformats.org/officeDocument/2006/relationships" xmlns:p="http://schemas.openxmlformats.org/presentationml/2006/main">
+  <p:cSld>
+    <p:spTree>
+      <p:nvGrpSpPr>
+        <p:cNvPr id="1" name=""/>
+        <p:cNvGrpSpPr/>
+        <p:nvPr/>
+      </p:nvGrpSpPr>
+      <p:grpSpPr>
+        <a:xfrm>
+          <a:off x="0" y="0"/>
+          <a:ext cx="0" cy="0"/>
+          <a:chOff x="0" y="0"/>
+          <a:chExt cx="0" cy="0"/>
+        </a:xfrm>
+      </p:grpSpPr>
+      <p:sp>
+        <p:nvSpPr>
+          <p:cNvPr id="2" name="Tytuł 1">
+            <a:extLst>
+              <a:ext uri="{FF2B5EF4-FFF2-40B4-BE49-F238E27FC236}">
+                <a16:creationId xmlns:a16="http://schemas.microsoft.com/office/drawing/2014/main" id="{CD61AA1D-A565-8F57-FEDB-12EFDAF6C048}"/>
+              </a:ext>
+            </a:extLst>
+          </p:cNvPr>
+          <p:cNvSpPr>
+            <a:spLocks noGrp="1"/>
+          </p:cNvSpPr>
+          <p:nvPr>
+            <p:ph type="title"/>
+          </p:nvPr>
+        </p:nvSpPr>
+        <p:spPr/>
+        <p:txBody>
+          <a:bodyPr/>
+          <a:lstStyle/>
+          <a:p>
+            <a:endParaRPr lang="pl-PL"/>
+          </a:p>
+        </p:txBody>
+      </p:sp>
+      <p:sp>
+        <p:nvSpPr>
+          <p:cNvPr id="3" name="Symbol zastępczy zawartości 2">
+            <a:extLst>
+              <a:ext uri="{FF2B5EF4-FFF2-40B4-BE49-F238E27FC236}">
+                <a16:creationId xmlns:a16="http://schemas.microsoft.com/office/drawing/2014/main" id="{52C0148C-BE5C-78C5-3F1C-E1B3ACE32959}"/>
+              </a:ext>
+            </a:extLst>
+          </p:cNvPr>
+          <p:cNvSpPr>
+            <a:spLocks noGrp="1"/>
+          </p:cNvSpPr>
+          <p:nvPr>
+            <p:ph idx="1"/>
+          </p:nvPr>
+        </p:nvSpPr>
+        <p:spPr/>
+        <p:txBody>
+          <a:bodyPr/>
+          <a:lstStyle/>
+          <a:p>
+            <a:pPr marL="0" indent="0">
+              <a:buNone/>
+            </a:pPr>
+            <a:endParaRPr lang="pl-PL" dirty="0"/>
+          </a:p>
+        </p:txBody>
+      </p:sp>
+    </p:spTree>
+    <p:extLst>
+      <p:ext uri="{BB962C8B-B14F-4D97-AF65-F5344CB8AC3E}">
+        <p14:creationId xmlns:p14="http://schemas.microsoft.com/office/powerpoint/2010/main" val="3106315831"/>
       </p:ext>
     </p:extLst>
   </p:cSld>
